--- a/Video Ver1/Video PPT/29. Natural Join.pptx
+++ b/Video Ver1/Video PPT/29. Natural Join.pptx
@@ -110,7 +110,7 @@
   </p:defaultTextStyle>
   <p:extLst>
     <p:ext uri="{521415D9-36F7-43E2-AB2F-B90AF26B5E84}">
-      <p14:sectionLst xmlns="" xmlns:p14="http://schemas.microsoft.com/office/powerpoint/2010/main">
+      <p14:sectionLst xmlns:p14="http://schemas.microsoft.com/office/powerpoint/2010/main" xmlns="">
         <p14:section name="Introduction" id="{A3D14946-8297-4856-B082-4FEFA482017C}">
           <p14:sldIdLst>
             <p14:sldId id="282"/>
@@ -751,7 +751,7 @@
       </p14:sectionLst>
     </p:ext>
     <p:ext uri="{EFAFB233-063F-42B5-8137-9DF3F51BA10A}">
-      <p15:sldGuideLst xmlns="" xmlns:p15="http://schemas.microsoft.com/office/powerpoint/2012/main">
+      <p15:sldGuideLst xmlns:p15="http://schemas.microsoft.com/office/powerpoint/2012/main" xmlns="">
         <p15:guide id="1" orient="horz" pos="2160">
           <p15:clr>
             <a:srgbClr val="A4A3A4"/>
@@ -773,7 +773,7 @@
   <p:cmAuthor id="1" name="Saleel" initials="S" lastIdx="1" clrIdx="0">
     <p:extLst>
       <p:ext uri="{19B8F6BF-5375-455C-9EA6-DF929625EA0E}">
-        <p15:presenceInfo xmlns="" xmlns:p15="http://schemas.microsoft.com/office/powerpoint/2012/main" userId="Saleel" providerId="None"/>
+        <p15:presenceInfo xmlns:p15="http://schemas.microsoft.com/office/powerpoint/2012/main" xmlns="" userId="Saleel" providerId="None"/>
       </p:ext>
     </p:extLst>
   </p:cmAuthor>
@@ -863,7 +863,7 @@
             <a:fld id="{4DF51050-3720-483B-B552-57DC1341D582}" type="datetimeFigureOut">
               <a:rPr lang="en-US" smtClean="0"/>
               <a:pPr/>
-              <a:t>6/5/2020</a:t>
+              <a:t>6/6/2020</a:t>
             </a:fld>
             <a:endParaRPr lang="en-US"/>
           </a:p>
@@ -1322,7 +1322,7 @@
             <a:fld id="{EEE556E8-492E-4E8F-8E7F-7A7787724D01}" type="datetimeFigureOut">
               <a:rPr lang="en-US" smtClean="0"/>
               <a:pPr/>
-              <a:t>6/5/2020</a:t>
+              <a:t>6/6/2020</a:t>
             </a:fld>
             <a:endParaRPr lang="en-US"/>
           </a:p>
@@ -1527,7 +1527,7 @@
             <a:fld id="{EEE556E8-492E-4E8F-8E7F-7A7787724D01}" type="datetimeFigureOut">
               <a:rPr lang="en-US" smtClean="0"/>
               <a:pPr/>
-              <a:t>6/5/2020</a:t>
+              <a:t>6/6/2020</a:t>
             </a:fld>
             <a:endParaRPr lang="en-US"/>
           </a:p>
@@ -1732,7 +1732,7 @@
             <a:fld id="{EEE556E8-492E-4E8F-8E7F-7A7787724D01}" type="datetimeFigureOut">
               <a:rPr lang="en-US" smtClean="0"/>
               <a:pPr/>
-              <a:t>6/5/2020</a:t>
+              <a:t>6/6/2020</a:t>
             </a:fld>
             <a:endParaRPr lang="en-US"/>
           </a:p>
@@ -1937,7 +1937,7 @@
             <a:fld id="{EEE556E8-492E-4E8F-8E7F-7A7787724D01}" type="datetimeFigureOut">
               <a:rPr lang="en-US" smtClean="0"/>
               <a:pPr/>
-              <a:t>6/5/2020</a:t>
+              <a:t>6/6/2020</a:t>
             </a:fld>
             <a:endParaRPr lang="en-US"/>
           </a:p>
@@ -2209,7 +2209,7 @@
             <a:fld id="{EEE556E8-492E-4E8F-8E7F-7A7787724D01}" type="datetimeFigureOut">
               <a:rPr lang="en-US" smtClean="0"/>
               <a:pPr/>
-              <a:t>6/5/2020</a:t>
+              <a:t>6/6/2020</a:t>
             </a:fld>
             <a:endParaRPr lang="en-US"/>
           </a:p>
@@ -2529,7 +2529,7 @@
             <a:fld id="{EEE556E8-492E-4E8F-8E7F-7A7787724D01}" type="datetimeFigureOut">
               <a:rPr lang="en-US" smtClean="0"/>
               <a:pPr/>
-              <a:t>6/5/2020</a:t>
+              <a:t>6/6/2020</a:t>
             </a:fld>
             <a:endParaRPr lang="en-US"/>
           </a:p>
@@ -2989,7 +2989,7 @@
             <a:fld id="{EEE556E8-492E-4E8F-8E7F-7A7787724D01}" type="datetimeFigureOut">
               <a:rPr lang="en-US" smtClean="0"/>
               <a:pPr/>
-              <a:t>6/5/2020</a:t>
+              <a:t>6/6/2020</a:t>
             </a:fld>
             <a:endParaRPr lang="en-US"/>
           </a:p>
@@ -3135,7 +3135,7 @@
             <a:fld id="{EEE556E8-492E-4E8F-8E7F-7A7787724D01}" type="datetimeFigureOut">
               <a:rPr lang="en-US" smtClean="0"/>
               <a:pPr/>
-              <a:t>6/5/2020</a:t>
+              <a:t>6/6/2020</a:t>
             </a:fld>
             <a:endParaRPr lang="en-US"/>
           </a:p>
@@ -3465,7 +3465,7 @@
             <a:fld id="{EEE556E8-492E-4E8F-8E7F-7A7787724D01}" type="datetimeFigureOut">
               <a:rPr lang="en-US" smtClean="0"/>
               <a:pPr/>
-              <a:t>6/5/2020</a:t>
+              <a:t>6/6/2020</a:t>
             </a:fld>
             <a:endParaRPr lang="en-US"/>
           </a:p>
@@ -3747,7 +3747,7 @@
             <a:fld id="{EEE556E8-492E-4E8F-8E7F-7A7787724D01}" type="datetimeFigureOut">
               <a:rPr lang="en-US" smtClean="0"/>
               <a:pPr/>
-              <a:t>6/5/2020</a:t>
+              <a:t>6/6/2020</a:t>
             </a:fld>
             <a:endParaRPr lang="en-US"/>
           </a:p>
@@ -4176,7 +4176,7 @@
           <p:cNvPr id="3" name="Picture 2">
             <a:extLst>
               <a:ext uri="{FF2B5EF4-FFF2-40B4-BE49-F238E27FC236}">
-                <a16:creationId xmlns:a16="http://schemas.microsoft.com/office/drawing/2014/main" xmlns="" id="{41A85463-8A73-4AAF-B006-A8206B2E4A66}"/>
+                <a16:creationId xmlns="" xmlns:a16="http://schemas.microsoft.com/office/drawing/2014/main" id="{41A85463-8A73-4AAF-B006-A8206B2E4A66}"/>
               </a:ext>
             </a:extLst>
           </p:cNvPr>
@@ -4189,7 +4189,7 @@
           <a:blip r:embed="rId2" cstate="print">
             <a:extLst>
               <a:ext uri="{28A0092B-C50C-407E-A947-70E740481C1C}">
-                <a14:useLocalDpi xmlns:a14="http://schemas.microsoft.com/office/drawing/2010/main" xmlns="" val="0"/>
+                <a14:useLocalDpi xmlns="" xmlns:a14="http://schemas.microsoft.com/office/drawing/2010/main" val="0"/>
               </a:ext>
             </a:extLst>
           </a:blip>
@@ -4212,7 +4212,7 @@
           <p:cNvPr id="4" name="Footer Placeholder 2">
             <a:extLst>
               <a:ext uri="{FF2B5EF4-FFF2-40B4-BE49-F238E27FC236}">
-                <a16:creationId xmlns:a16="http://schemas.microsoft.com/office/drawing/2014/main" xmlns="" id="{4610B96E-6F6B-4597-8ADF-B68C8A17E820}"/>
+                <a16:creationId xmlns="" xmlns:a16="http://schemas.microsoft.com/office/drawing/2014/main" id="{4610B96E-6F6B-4597-8ADF-B68C8A17E820}"/>
               </a:ext>
             </a:extLst>
           </p:cNvPr>
@@ -4347,8 +4347,8 @@
         </p:nvSpPr>
         <p:spPr>
           <a:xfrm>
-            <a:off x="478582" y="1988840"/>
-            <a:ext cx="11377264" cy="400110"/>
+            <a:off x="478582" y="2060848"/>
+            <a:ext cx="11377264" cy="1200329"/>
           </a:xfrm>
           <a:prstGeom prst="rect">
             <a:avLst/>
@@ -4361,81 +4361,177 @@
           <a:lstStyle/>
           <a:p>
             <a:r>
-              <a:rPr lang="en-IN" sz="2000" dirty="0">
+              <a:rPr lang="en-IN" dirty="0">
+                <a:latin typeface="Palatino Linotype" pitchFamily="18" charset="0"/>
+                <a:cs typeface="Arial" panose="020B0604020202020204" pitchFamily="34" charset="0"/>
+              </a:rPr>
+              <a:t>The </a:t>
+            </a:r>
+            <a:r>
+              <a:rPr lang="en-IN" b="1" dirty="0">
+                <a:latin typeface="Palatino Linotype" pitchFamily="18" charset="0"/>
+                <a:cs typeface="Arial" panose="020B0604020202020204" pitchFamily="34" charset="0"/>
+              </a:rPr>
+              <a:t>NATURAL</a:t>
+            </a:r>
+            <a:r>
+              <a:rPr lang="en-IN" dirty="0">
+                <a:latin typeface="Palatino Linotype" pitchFamily="18" charset="0"/>
+                <a:cs typeface="Arial" panose="020B0604020202020204" pitchFamily="34" charset="0"/>
+              </a:rPr>
+              <a:t> </a:t>
+            </a:r>
+            <a:r>
+              <a:rPr lang="en-IN" b="1" dirty="0">
+                <a:latin typeface="Palatino Linotype" pitchFamily="18" charset="0"/>
+                <a:cs typeface="Arial" panose="020B0604020202020204" pitchFamily="34" charset="0"/>
+              </a:rPr>
+              <a:t>JOIN</a:t>
+            </a:r>
+            <a:r>
+              <a:rPr lang="en-IN" dirty="0">
+                <a:latin typeface="Palatino Linotype" pitchFamily="18" charset="0"/>
+                <a:cs typeface="Arial" panose="020B0604020202020204" pitchFamily="34" charset="0"/>
+              </a:rPr>
+              <a:t> is such a join that performs the same task as an </a:t>
+            </a:r>
+            <a:r>
+              <a:rPr lang="en-IN" b="1" dirty="0">
+                <a:latin typeface="Palatino Linotype" pitchFamily="18" charset="0"/>
+                <a:cs typeface="Arial" panose="020B0604020202020204" pitchFamily="34" charset="0"/>
+              </a:rPr>
+              <a:t>INNER</a:t>
+            </a:r>
+            <a:r>
+              <a:rPr lang="en-IN" dirty="0">
+                <a:latin typeface="Palatino Linotype" pitchFamily="18" charset="0"/>
+                <a:cs typeface="Arial" panose="020B0604020202020204" pitchFamily="34" charset="0"/>
+              </a:rPr>
+              <a:t> </a:t>
+            </a:r>
+            <a:r>
+              <a:rPr lang="en-IN" b="1" dirty="0">
+                <a:latin typeface="Palatino Linotype" pitchFamily="18" charset="0"/>
+                <a:cs typeface="Arial" panose="020B0604020202020204" pitchFamily="34" charset="0"/>
+              </a:rPr>
+              <a:t>JOIN</a:t>
+            </a:r>
+            <a:r>
+              <a:rPr lang="en-IN" dirty="0" smtClean="0">
+                <a:latin typeface="Palatino Linotype" pitchFamily="18" charset="0"/>
+                <a:cs typeface="Arial" panose="020B0604020202020204" pitchFamily="34" charset="0"/>
+              </a:rPr>
+              <a:t>. </a:t>
+            </a:r>
+            <a:r>
+              <a:rPr lang="en-US" b="1" dirty="0" smtClean="0">
+                <a:latin typeface="Palatino Linotype" pitchFamily="18" charset="0"/>
+                <a:cs typeface="Arial" panose="020B0604020202020204" pitchFamily="34" charset="0"/>
+              </a:rPr>
+              <a:t>NATURAL</a:t>
+            </a:r>
+            <a:r>
+              <a:rPr lang="en-US" dirty="0" smtClean="0">
+                <a:latin typeface="Palatino Linotype" pitchFamily="18" charset="0"/>
+              </a:rPr>
+              <a:t> </a:t>
+            </a:r>
+            <a:r>
+              <a:rPr lang="en-US" b="1" dirty="0" smtClean="0">
+                <a:latin typeface="Palatino Linotype" pitchFamily="18" charset="0"/>
+                <a:cs typeface="Arial" panose="020B0604020202020204" pitchFamily="34" charset="0"/>
+              </a:rPr>
+              <a:t>JOIN</a:t>
+            </a:r>
+            <a:r>
+              <a:rPr lang="en-US" dirty="0" smtClean="0">
+                <a:latin typeface="Palatino Linotype" pitchFamily="18" charset="0"/>
+              </a:rPr>
+              <a:t> does </a:t>
+            </a:r>
+            <a:r>
+              <a:rPr lang="en-US" dirty="0" smtClean="0">
+                <a:latin typeface="Palatino Linotype" pitchFamily="18" charset="0"/>
+              </a:rPr>
+              <a:t>not use any comparison operator</a:t>
+            </a:r>
+            <a:r>
+              <a:rPr lang="en-US" dirty="0" smtClean="0">
+                <a:latin typeface="Palatino Linotype" pitchFamily="18" charset="0"/>
+              </a:rPr>
+              <a:t>. </a:t>
+            </a:r>
+            <a:r>
+              <a:rPr lang="en-US" dirty="0" smtClean="0"/>
+              <a:t>We can perform </a:t>
+            </a:r>
+            <a:r>
+              <a:rPr lang="en-US" smtClean="0"/>
+              <a:t>a </a:t>
+            </a:r>
+            <a:r>
+              <a:rPr lang="en-US" b="1" smtClean="0">
+                <a:latin typeface="Palatino Linotype" pitchFamily="18" charset="0"/>
+                <a:cs typeface="Arial" panose="020B0604020202020204" pitchFamily="34" charset="0"/>
+              </a:rPr>
+              <a:t>NATURAL</a:t>
+            </a:r>
+            <a:r>
+              <a:rPr lang="en-US" smtClean="0">
+                <a:latin typeface="Palatino Linotype" pitchFamily="18" charset="0"/>
+              </a:rPr>
+              <a:t> </a:t>
+            </a:r>
+            <a:r>
+              <a:rPr lang="en-US" b="1" smtClean="0">
+                <a:latin typeface="Palatino Linotype" pitchFamily="18" charset="0"/>
+                <a:cs typeface="Arial" panose="020B0604020202020204" pitchFamily="34" charset="0"/>
+              </a:rPr>
+              <a:t>JOIN</a:t>
+            </a:r>
+            <a:r>
+              <a:rPr lang="en-US" smtClean="0"/>
+              <a:t> </a:t>
+            </a:r>
+            <a:r>
+              <a:rPr lang="en-US" dirty="0" smtClean="0"/>
+              <a:t>only if there is at least one common attribute that exists between two relations. In addition, the attributes must have the same name and domain</a:t>
+            </a:r>
+            <a:r>
+              <a:rPr lang="en-US" dirty="0" smtClean="0"/>
+              <a:t>. </a:t>
+            </a:r>
+            <a:r>
+              <a:rPr lang="en-IN" dirty="0" smtClean="0">
                 <a:latin typeface="Palatino Linotype" panose="02040502050505030304" pitchFamily="18" charset="0"/>
                 <a:cs typeface="Arial" panose="020B0604020202020204" pitchFamily="34" charset="0"/>
               </a:rPr>
-              <a:t>The </a:t>
-            </a:r>
-            <a:r>
-              <a:rPr lang="en-IN" sz="2000" b="1" dirty="0">
-                <a:latin typeface="Palatino Linotype" panose="02040502050505030304" pitchFamily="18" charset="0"/>
-                <a:cs typeface="Arial" panose="020B0604020202020204" pitchFamily="34" charset="0"/>
-              </a:rPr>
-              <a:t>NATURAL</a:t>
-            </a:r>
-            <a:r>
-              <a:rPr lang="en-IN" sz="2000" dirty="0">
-                <a:latin typeface="Palatino Linotype" panose="02040502050505030304" pitchFamily="18" charset="0"/>
-                <a:cs typeface="Arial" panose="020B0604020202020204" pitchFamily="34" charset="0"/>
-              </a:rPr>
-              <a:t> </a:t>
-            </a:r>
-            <a:r>
-              <a:rPr lang="en-IN" sz="2000" b="1" dirty="0">
-                <a:latin typeface="Palatino Linotype" panose="02040502050505030304" pitchFamily="18" charset="0"/>
-                <a:cs typeface="Arial" panose="020B0604020202020204" pitchFamily="34" charset="0"/>
-              </a:rPr>
-              <a:t>JOIN</a:t>
-            </a:r>
-            <a:r>
-              <a:rPr lang="en-IN" sz="2000" dirty="0">
-                <a:latin typeface="Palatino Linotype" panose="02040502050505030304" pitchFamily="18" charset="0"/>
-                <a:cs typeface="Arial" panose="020B0604020202020204" pitchFamily="34" charset="0"/>
-              </a:rPr>
-              <a:t> is such a join that performs the same task as an </a:t>
-            </a:r>
-            <a:r>
-              <a:rPr lang="en-IN" sz="2000" b="1" dirty="0">
-                <a:latin typeface="Palatino Linotype" panose="02040502050505030304" pitchFamily="18" charset="0"/>
-                <a:cs typeface="Arial" panose="020B0604020202020204" pitchFamily="34" charset="0"/>
-              </a:rPr>
-              <a:t>INNER</a:t>
-            </a:r>
-            <a:r>
-              <a:rPr lang="en-IN" sz="2000" dirty="0">
-                <a:latin typeface="Palatino Linotype" panose="02040502050505030304" pitchFamily="18" charset="0"/>
-                <a:cs typeface="Arial" panose="020B0604020202020204" pitchFamily="34" charset="0"/>
-              </a:rPr>
-              <a:t> </a:t>
-            </a:r>
-            <a:r>
-              <a:rPr lang="en-IN" sz="2000" b="1" dirty="0">
-                <a:latin typeface="Palatino Linotype" panose="02040502050505030304" pitchFamily="18" charset="0"/>
-                <a:cs typeface="Arial" panose="020B0604020202020204" pitchFamily="34" charset="0"/>
-              </a:rPr>
-              <a:t>JOIN</a:t>
-            </a:r>
-            <a:r>
-              <a:rPr lang="en-IN" sz="2000" dirty="0">
+              <a:t>When this join condition gets applied always the duplicates of the common columns get eliminated from the result</a:t>
+            </a:r>
+            <a:r>
+              <a:rPr lang="en-IN" dirty="0" smtClean="0">
                 <a:latin typeface="Palatino Linotype" panose="02040502050505030304" pitchFamily="18" charset="0"/>
                 <a:cs typeface="Arial" panose="020B0604020202020204" pitchFamily="34" charset="0"/>
               </a:rPr>
               <a:t>.</a:t>
             </a:r>
-          </a:p>
-        </p:txBody>
-      </p:sp>
-      <p:sp>
-        <p:nvSpPr>
-          <p:cNvPr id="9" name="Rectangle 8"/>
+            <a:endParaRPr lang="en-IN" dirty="0" smtClean="0">
+              <a:latin typeface="Palatino Linotype" panose="02040502050505030304" pitchFamily="18" charset="0"/>
+              <a:cs typeface="Arial" panose="020B0604020202020204" pitchFamily="34" charset="0"/>
+            </a:endParaRPr>
+          </a:p>
+        </p:txBody>
+      </p:sp>
+      <p:sp>
+        <p:nvSpPr>
+          <p:cNvPr id="10" name="Rectangle 9"/>
           <p:cNvSpPr/>
           <p:nvPr/>
         </p:nvSpPr>
         <p:spPr>
           <a:xfrm>
-            <a:off x="152380" y="2708920"/>
-            <a:ext cx="11775474" cy="1631216"/>
+            <a:off x="406574" y="4797152"/>
+            <a:ext cx="11521279" cy="1200329"/>
           </a:xfrm>
           <a:prstGeom prst="rect">
             <a:avLst/>
@@ -4450,148 +4546,66 @@
           </a:bodyPr>
           <a:lstStyle/>
           <a:p>
-            <a:pPr marL="285750" indent="-285750">
+            <a:r>
+              <a:rPr lang="en-IN" dirty="0">
+                <a:latin typeface="Palatino Linotype" panose="02040502050505030304" pitchFamily="18" charset="0"/>
+                <a:cs typeface="Arial" panose="020B0604020202020204" pitchFamily="34" charset="0"/>
+              </a:rPr>
+              <a:t>Note: </a:t>
+            </a:r>
+          </a:p>
+          <a:p>
+            <a:pPr marL="342900" indent="-342900">
               <a:buFont typeface="Arial" panose="020B0604020202020204" pitchFamily="34" charset="0"/>
               <a:buChar char="•"/>
             </a:pPr>
             <a:r>
-              <a:rPr lang="en-IN" sz="2000" dirty="0">
+              <a:rPr lang="en-IN" dirty="0" smtClean="0">
                 <a:latin typeface="Palatino Linotype" panose="02040502050505030304" pitchFamily="18" charset="0"/>
                 <a:cs typeface="Arial" panose="020B0604020202020204" pitchFamily="34" charset="0"/>
               </a:rPr>
-              <a:t>The associated tables have one or more pairs of identically column-names.</a:t>
-            </a:r>
-          </a:p>
-          <a:p>
-            <a:pPr marL="285750" indent="-285750">
+              <a:t>If </a:t>
+            </a:r>
+            <a:r>
+              <a:rPr lang="en-IN" dirty="0">
+                <a:latin typeface="Palatino Linotype" panose="02040502050505030304" pitchFamily="18" charset="0"/>
+                <a:cs typeface="Arial" panose="020B0604020202020204" pitchFamily="34" charset="0"/>
+              </a:rPr>
+              <a:t>the column-names are not same, then NATURAL JOIN will work as CROSS JOIN.</a:t>
+            </a:r>
+          </a:p>
+          <a:p>
+            <a:pPr marL="342900" indent="-342900">
               <a:buFont typeface="Arial" panose="020B0604020202020204" pitchFamily="34" charset="0"/>
               <a:buChar char="•"/>
             </a:pPr>
             <a:r>
-              <a:rPr lang="en-IN" sz="2000" dirty="0">
+              <a:rPr lang="en-US" dirty="0" smtClean="0">
                 <a:latin typeface="Palatino Linotype" panose="02040502050505030304" pitchFamily="18" charset="0"/>
-                <a:cs typeface="Arial" panose="020B0604020202020204" pitchFamily="34" charset="0"/>
+                <a:cs typeface="Arial" pitchFamily="34" charset="0"/>
               </a:rPr>
-              <a:t>The columns must be of the same name and data type.</a:t>
-            </a:r>
-          </a:p>
-          <a:p>
-            <a:pPr marL="285750" indent="-285750">
-              <a:buFont typeface="Arial" panose="020B0604020202020204" pitchFamily="34" charset="0"/>
-              <a:buChar char="•"/>
-            </a:pPr>
-            <a:r>
-              <a:rPr lang="en-IN" sz="2000" dirty="0">
+              <a:t>A</a:t>
+            </a:r>
+            <a:r>
+              <a:rPr lang="en-US" dirty="0">
                 <a:latin typeface="Palatino Linotype" panose="02040502050505030304" pitchFamily="18" charset="0"/>
-                <a:cs typeface="Arial" panose="020B0604020202020204" pitchFamily="34" charset="0"/>
+                <a:cs typeface="Arial" pitchFamily="34" charset="0"/>
               </a:rPr>
-              <a:t>Don't use ON / USING clause in a NATURAL JOIN.</a:t>
-            </a:r>
+              <a:t> NATURAL JOIN can be used with a LEFT OUTER join, or a RIGHT OUTER join.</a:t>
+            </a:r>
+          </a:p>
+          <a:p>
             <a:endParaRPr lang="en-IN" dirty="0">
               <a:latin typeface="Palatino Linotype" panose="02040502050505030304" pitchFamily="18" charset="0"/>
               <a:cs typeface="Arial" panose="020B0604020202020204" pitchFamily="34" charset="0"/>
             </a:endParaRPr>
           </a:p>
-          <a:p>
-            <a:pPr marL="285750" indent="-285750">
-              <a:buFont typeface="Arial" panose="020B0604020202020204" pitchFamily="34" charset="0"/>
-              <a:buChar char="•"/>
-            </a:pPr>
-            <a:r>
-              <a:rPr lang="en-IN" sz="2000" dirty="0">
-                <a:latin typeface="Palatino Linotype" panose="02040502050505030304" pitchFamily="18" charset="0"/>
-                <a:cs typeface="Arial" panose="020B0604020202020204" pitchFamily="34" charset="0"/>
-              </a:rPr>
-              <a:t>When this join condition gets applied always the duplicates of the common columns get eliminated from the result.</a:t>
-            </a:r>
-          </a:p>
-        </p:txBody>
-      </p:sp>
-      <p:sp>
-        <p:nvSpPr>
-          <p:cNvPr id="10" name="Rectangle 9"/>
-          <p:cNvSpPr/>
-          <p:nvPr/>
-        </p:nvSpPr>
-        <p:spPr>
-          <a:xfrm>
-            <a:off x="262559" y="4381941"/>
-            <a:ext cx="7128792" cy="2431435"/>
-          </a:xfrm>
-          <a:prstGeom prst="rect">
-            <a:avLst/>
-          </a:prstGeom>
-          <a:solidFill>
-            <a:schemeClr val="bg1"/>
-          </a:solidFill>
-        </p:spPr>
-        <p:txBody>
-          <a:bodyPr wrap="square">
-            <a:spAutoFit/>
-          </a:bodyPr>
-          <a:lstStyle/>
-          <a:p>
-            <a:r>
-              <a:rPr lang="en-IN" sz="2400" dirty="0">
-                <a:solidFill>
-                  <a:srgbClr val="FF0000"/>
-                </a:solidFill>
-                <a:latin typeface="Palatino Linotype" panose="02040502050505030304" pitchFamily="18" charset="0"/>
-                <a:cs typeface="Arial" panose="020B0604020202020204" pitchFamily="34" charset="0"/>
-              </a:rPr>
-              <a:t>Note: </a:t>
-            </a:r>
-          </a:p>
-          <a:p>
-            <a:endParaRPr lang="en-IN" sz="800" dirty="0">
-              <a:latin typeface="Palatino Linotype" panose="02040502050505030304" pitchFamily="18" charset="0"/>
-              <a:cs typeface="Arial" panose="020B0604020202020204" pitchFamily="34" charset="0"/>
-            </a:endParaRPr>
-          </a:p>
-          <a:p>
-            <a:pPr marL="342900" indent="-342900">
-              <a:buFont typeface="Arial" panose="020B0604020202020204" pitchFamily="34" charset="0"/>
-              <a:buChar char="•"/>
-            </a:pPr>
-            <a:r>
-              <a:rPr lang="en-IN" sz="2200" dirty="0">
-                <a:latin typeface="Palatino Linotype" panose="02040502050505030304" pitchFamily="18" charset="0"/>
-                <a:cs typeface="Arial" panose="020B0604020202020204" pitchFamily="34" charset="0"/>
-              </a:rPr>
-              <a:t>If the column-names are not same, then NATURAL JOIN will work as CROSS JOIN.</a:t>
-            </a:r>
-          </a:p>
-          <a:p>
-            <a:endParaRPr lang="en-IN" sz="800" dirty="0">
-              <a:latin typeface="Palatino Linotype" panose="02040502050505030304" pitchFamily="18" charset="0"/>
-              <a:cs typeface="Arial" panose="020B0604020202020204" pitchFamily="34" charset="0"/>
-            </a:endParaRPr>
-          </a:p>
-          <a:p>
-            <a:pPr marL="342900" indent="-342900">
-              <a:buFont typeface="Arial" panose="020B0604020202020204" pitchFamily="34" charset="0"/>
-              <a:buChar char="•"/>
-            </a:pPr>
-            <a:r>
-              <a:rPr lang="en-US" sz="2200" dirty="0">
-                <a:latin typeface="Palatino Linotype" panose="02040502050505030304" pitchFamily="18" charset="0"/>
-                <a:cs typeface="Arial" pitchFamily="34" charset="0"/>
-              </a:rPr>
-              <a:t>A NATURAL JOIN can be used with a LEFT OUTER join, or a RIGHT OUTER join.</a:t>
-            </a:r>
-          </a:p>
-          <a:p>
-            <a:endParaRPr lang="en-IN" sz="2400" dirty="0">
-              <a:latin typeface="Palatino Linotype" panose="02040502050505030304" pitchFamily="18" charset="0"/>
-              <a:cs typeface="Arial" panose="020B0604020202020204" pitchFamily="34" charset="0"/>
-            </a:endParaRPr>
-          </a:p>
         </p:txBody>
       </p:sp>
     </p:spTree>
     <p:extLst>
       <p:ext uri="{BB962C8B-B14F-4D97-AF65-F5344CB8AC3E}">
-        <p14:creationId xmlns:p14="http://schemas.microsoft.com/office/powerpoint/2010/main" xmlns="" val="4253925860"/>
+        <p14:creationId xmlns="" xmlns:p14="http://schemas.microsoft.com/office/powerpoint/2010/main" val="4253925860"/>
       </p:ext>
     </p:extLst>
   </p:cSld>
@@ -4632,7 +4646,7 @@
                                           </p:stCondLst>
                                         </p:cTn>
                                         <p:tgtEl>
-                                          <p:spTgt spid="9">
+                                          <p:spTgt spid="10">
                                             <p:txEl>
                                               <p:pRg st="0" end="0"/>
                                             </p:txEl>
@@ -4681,7 +4695,7 @@
                                           </p:stCondLst>
                                         </p:cTn>
                                         <p:tgtEl>
-                                          <p:spTgt spid="9">
+                                          <p:spTgt spid="10">
                                             <p:txEl>
                                               <p:pRg st="1" end="1"/>
                                             </p:txEl>
@@ -4730,205 +4744,9 @@
                                           </p:stCondLst>
                                         </p:cTn>
                                         <p:tgtEl>
-                                          <p:spTgt spid="9">
-                                            <p:txEl>
-                                              <p:pRg st="2" end="2"/>
-                                            </p:txEl>
-                                          </p:spTgt>
-                                        </p:tgtEl>
-                                        <p:attrNameLst>
-                                          <p:attrName>style.visibility</p:attrName>
-                                        </p:attrNameLst>
-                                      </p:cBhvr>
-                                      <p:to>
-                                        <p:strVal val="visible"/>
-                                      </p:to>
-                                    </p:set>
-                                  </p:childTnLst>
-                                </p:cTn>
-                              </p:par>
-                            </p:childTnLst>
-                          </p:cTn>
-                        </p:par>
-                      </p:childTnLst>
-                    </p:cTn>
-                  </p:par>
-                  <p:par>
-                    <p:cTn id="15" fill="hold">
-                      <p:stCondLst>
-                        <p:cond delay="indefinite"/>
-                      </p:stCondLst>
-                      <p:childTnLst>
-                        <p:par>
-                          <p:cTn id="16" fill="hold">
-                            <p:stCondLst>
-                              <p:cond delay="0"/>
-                            </p:stCondLst>
-                            <p:childTnLst>
-                              <p:par>
-                                <p:cTn id="17" presetID="1" presetClass="entr" presetSubtype="0" fill="hold" nodeType="clickEffect">
-                                  <p:stCondLst>
-                                    <p:cond delay="0"/>
-                                  </p:stCondLst>
-                                  <p:childTnLst>
-                                    <p:set>
-                                      <p:cBhvr>
-                                        <p:cTn id="18" dur="1" fill="hold">
-                                          <p:stCondLst>
-                                            <p:cond delay="0"/>
-                                          </p:stCondLst>
-                                        </p:cTn>
-                                        <p:tgtEl>
-                                          <p:spTgt spid="9">
-                                            <p:txEl>
-                                              <p:pRg st="3" end="3"/>
-                                            </p:txEl>
-                                          </p:spTgt>
-                                        </p:tgtEl>
-                                        <p:attrNameLst>
-                                          <p:attrName>style.visibility</p:attrName>
-                                        </p:attrNameLst>
-                                      </p:cBhvr>
-                                      <p:to>
-                                        <p:strVal val="visible"/>
-                                      </p:to>
-                                    </p:set>
-                                  </p:childTnLst>
-                                </p:cTn>
-                              </p:par>
-                            </p:childTnLst>
-                          </p:cTn>
-                        </p:par>
-                      </p:childTnLst>
-                    </p:cTn>
-                  </p:par>
-                  <p:par>
-                    <p:cTn id="19" fill="hold">
-                      <p:stCondLst>
-                        <p:cond delay="indefinite"/>
-                      </p:stCondLst>
-                      <p:childTnLst>
-                        <p:par>
-                          <p:cTn id="20" fill="hold">
-                            <p:stCondLst>
-                              <p:cond delay="0"/>
-                            </p:stCondLst>
-                            <p:childTnLst>
-                              <p:par>
-                                <p:cTn id="21" presetID="1" presetClass="entr" presetSubtype="0" fill="hold" nodeType="clickEffect">
-                                  <p:stCondLst>
-                                    <p:cond delay="0"/>
-                                  </p:stCondLst>
-                                  <p:childTnLst>
-                                    <p:set>
-                                      <p:cBhvr>
-                                        <p:cTn id="22" dur="1" fill="hold">
-                                          <p:stCondLst>
-                                            <p:cond delay="0"/>
-                                          </p:stCondLst>
-                                        </p:cTn>
-                                        <p:tgtEl>
-                                          <p:spTgt spid="10">
-                                            <p:txEl>
-                                              <p:pRg st="0" end="0"/>
-                                            </p:txEl>
-                                          </p:spTgt>
-                                        </p:tgtEl>
-                                        <p:attrNameLst>
-                                          <p:attrName>style.visibility</p:attrName>
-                                        </p:attrNameLst>
-                                      </p:cBhvr>
-                                      <p:to>
-                                        <p:strVal val="visible"/>
-                                      </p:to>
-                                    </p:set>
-                                  </p:childTnLst>
-                                </p:cTn>
-                              </p:par>
-                            </p:childTnLst>
-                          </p:cTn>
-                        </p:par>
-                      </p:childTnLst>
-                    </p:cTn>
-                  </p:par>
-                  <p:par>
-                    <p:cTn id="23" fill="hold">
-                      <p:stCondLst>
-                        <p:cond delay="indefinite"/>
-                      </p:stCondLst>
-                      <p:childTnLst>
-                        <p:par>
-                          <p:cTn id="24" fill="hold">
-                            <p:stCondLst>
-                              <p:cond delay="0"/>
-                            </p:stCondLst>
-                            <p:childTnLst>
-                              <p:par>
-                                <p:cTn id="25" presetID="1" presetClass="entr" presetSubtype="0" fill="hold" nodeType="clickEffect">
-                                  <p:stCondLst>
-                                    <p:cond delay="0"/>
-                                  </p:stCondLst>
-                                  <p:childTnLst>
-                                    <p:set>
-                                      <p:cBhvr>
-                                        <p:cTn id="26" dur="1" fill="hold">
-                                          <p:stCondLst>
-                                            <p:cond delay="0"/>
-                                          </p:stCondLst>
-                                        </p:cTn>
-                                        <p:tgtEl>
                                           <p:spTgt spid="10">
                                             <p:txEl>
                                               <p:pRg st="2" end="2"/>
-                                            </p:txEl>
-                                          </p:spTgt>
-                                        </p:tgtEl>
-                                        <p:attrNameLst>
-                                          <p:attrName>style.visibility</p:attrName>
-                                        </p:attrNameLst>
-                                      </p:cBhvr>
-                                      <p:to>
-                                        <p:strVal val="visible"/>
-                                      </p:to>
-                                    </p:set>
-                                  </p:childTnLst>
-                                </p:cTn>
-                              </p:par>
-                            </p:childTnLst>
-                          </p:cTn>
-                        </p:par>
-                      </p:childTnLst>
-                    </p:cTn>
-                  </p:par>
-                  <p:par>
-                    <p:cTn id="27" fill="hold">
-                      <p:stCondLst>
-                        <p:cond delay="indefinite"/>
-                      </p:stCondLst>
-                      <p:childTnLst>
-                        <p:par>
-                          <p:cTn id="28" fill="hold">
-                            <p:stCondLst>
-                              <p:cond delay="0"/>
-                            </p:stCondLst>
-                            <p:childTnLst>
-                              <p:par>
-                                <p:cTn id="29" presetID="1" presetClass="entr" presetSubtype="0" fill="hold" nodeType="clickEffect">
-                                  <p:stCondLst>
-                                    <p:cond delay="0"/>
-                                  </p:stCondLst>
-                                  <p:childTnLst>
-                                    <p:set>
-                                      <p:cBhvr>
-                                        <p:cTn id="30" dur="1" fill="hold">
-                                          <p:stCondLst>
-                                            <p:cond delay="0"/>
-                                          </p:stCondLst>
-                                        </p:cTn>
-                                        <p:tgtEl>
-                                          <p:spTgt spid="10">
-                                            <p:txEl>
-                                              <p:pRg st="4" end="4"/>
                                             </p:txEl>
                                           </p:spTgt>
                                         </p:tgtEl>
@@ -5230,7 +5048,7 @@
           <a:blip r:embed="rId2" cstate="print">
             <a:extLst>
               <a:ext uri="{28A0092B-C50C-407E-A947-70E740481C1C}">
-                <a14:useLocalDpi xmlns="" xmlns:a14="http://schemas.microsoft.com/office/drawing/2010/main" val="0"/>
+                <a14:useLocalDpi xmlns:a14="http://schemas.microsoft.com/office/drawing/2010/main" xmlns="" val="0"/>
               </a:ext>
             </a:extLst>
           </a:blip>
@@ -5253,7 +5071,7 @@
           <p:cNvPr id="10" name="Picture 9">
             <a:extLst>
               <a:ext uri="{FF2B5EF4-FFF2-40B4-BE49-F238E27FC236}">
-                <a16:creationId xmlns="" xmlns:a16="http://schemas.microsoft.com/office/drawing/2014/main" id="{048BD748-B206-47BA-A66B-CE75AF072764}"/>
+                <a16:creationId xmlns:a16="http://schemas.microsoft.com/office/drawing/2014/main" xmlns="" id="{048BD748-B206-47BA-A66B-CE75AF072764}"/>
               </a:ext>
             </a:extLst>
           </p:cNvPr>
@@ -5266,7 +5084,7 @@
           <a:blip r:embed="rId3" cstate="print">
             <a:extLst>
               <a:ext uri="{28A0092B-C50C-407E-A947-70E740481C1C}">
-                <a14:useLocalDpi xmlns="" xmlns:a14="http://schemas.microsoft.com/office/drawing/2010/main" val="0"/>
+                <a14:useLocalDpi xmlns:a14="http://schemas.microsoft.com/office/drawing/2010/main" xmlns="" val="0"/>
               </a:ext>
             </a:extLst>
           </a:blip>
@@ -5289,7 +5107,7 @@
           <p:cNvPr id="12" name="Footer Placeholder 2">
             <a:extLst>
               <a:ext uri="{FF2B5EF4-FFF2-40B4-BE49-F238E27FC236}">
-                <a16:creationId xmlns="" xmlns:a16="http://schemas.microsoft.com/office/drawing/2014/main" id="{5FB08BE4-C3B1-4781-BC6A-C3A3C630CD94}"/>
+                <a16:creationId xmlns:a16="http://schemas.microsoft.com/office/drawing/2014/main" xmlns="" id="{5FB08BE4-C3B1-4781-BC6A-C3A3C630CD94}"/>
               </a:ext>
             </a:extLst>
           </p:cNvPr>
@@ -5465,7 +5283,7 @@
     </p:spTree>
     <p:extLst>
       <p:ext uri="{BB962C8B-B14F-4D97-AF65-F5344CB8AC3E}">
-        <p14:creationId xmlns="" xmlns:p14="http://schemas.microsoft.com/office/powerpoint/2010/main" val="260190726"/>
+        <p14:creationId xmlns:p14="http://schemas.microsoft.com/office/powerpoint/2010/main" xmlns="" val="260190726"/>
       </p:ext>
     </p:extLst>
   </p:cSld>
